--- a/Figure/Atom.pptx
+++ b/Figure/Atom.pptx
@@ -259,7 +259,7 @@
           <a:p>
             <a:fld id="{57E701AB-C3AA-4248-B036-5F2E492147F9}" type="datetimeFigureOut">
               <a:rPr kumimoji="1" lang="zh-CN" altLang="en-US" smtClean="0"/>
-              <a:t>2023/8/1</a:t>
+              <a:t>2023/9/11</a:t>
             </a:fld>
             <a:endParaRPr kumimoji="1" lang="zh-CN" altLang="en-US"/>
           </a:p>
@@ -457,7 +457,7 @@
           <a:p>
             <a:fld id="{57E701AB-C3AA-4248-B036-5F2E492147F9}" type="datetimeFigureOut">
               <a:rPr kumimoji="1" lang="zh-CN" altLang="en-US" smtClean="0"/>
-              <a:t>2023/8/1</a:t>
+              <a:t>2023/9/11</a:t>
             </a:fld>
             <a:endParaRPr kumimoji="1" lang="zh-CN" altLang="en-US"/>
           </a:p>
@@ -665,7 +665,7 @@
           <a:p>
             <a:fld id="{57E701AB-C3AA-4248-B036-5F2E492147F9}" type="datetimeFigureOut">
               <a:rPr kumimoji="1" lang="zh-CN" altLang="en-US" smtClean="0"/>
-              <a:t>2023/8/1</a:t>
+              <a:t>2023/9/11</a:t>
             </a:fld>
             <a:endParaRPr kumimoji="1" lang="zh-CN" altLang="en-US"/>
           </a:p>
@@ -863,7 +863,7 @@
           <a:p>
             <a:fld id="{57E701AB-C3AA-4248-B036-5F2E492147F9}" type="datetimeFigureOut">
               <a:rPr kumimoji="1" lang="zh-CN" altLang="en-US" smtClean="0"/>
-              <a:t>2023/8/1</a:t>
+              <a:t>2023/9/11</a:t>
             </a:fld>
             <a:endParaRPr kumimoji="1" lang="zh-CN" altLang="en-US"/>
           </a:p>
@@ -1138,7 +1138,7 @@
           <a:p>
             <a:fld id="{57E701AB-C3AA-4248-B036-5F2E492147F9}" type="datetimeFigureOut">
               <a:rPr kumimoji="1" lang="zh-CN" altLang="en-US" smtClean="0"/>
-              <a:t>2023/8/1</a:t>
+              <a:t>2023/9/11</a:t>
             </a:fld>
             <a:endParaRPr kumimoji="1" lang="zh-CN" altLang="en-US"/>
           </a:p>
@@ -1403,7 +1403,7 @@
           <a:p>
             <a:fld id="{57E701AB-C3AA-4248-B036-5F2E492147F9}" type="datetimeFigureOut">
               <a:rPr kumimoji="1" lang="zh-CN" altLang="en-US" smtClean="0"/>
-              <a:t>2023/8/1</a:t>
+              <a:t>2023/9/11</a:t>
             </a:fld>
             <a:endParaRPr kumimoji="1" lang="zh-CN" altLang="en-US"/>
           </a:p>
@@ -1815,7 +1815,7 @@
           <a:p>
             <a:fld id="{57E701AB-C3AA-4248-B036-5F2E492147F9}" type="datetimeFigureOut">
               <a:rPr kumimoji="1" lang="zh-CN" altLang="en-US" smtClean="0"/>
-              <a:t>2023/8/1</a:t>
+              <a:t>2023/9/11</a:t>
             </a:fld>
             <a:endParaRPr kumimoji="1" lang="zh-CN" altLang="en-US"/>
           </a:p>
@@ -1956,7 +1956,7 @@
           <a:p>
             <a:fld id="{57E701AB-C3AA-4248-B036-5F2E492147F9}" type="datetimeFigureOut">
               <a:rPr kumimoji="1" lang="zh-CN" altLang="en-US" smtClean="0"/>
-              <a:t>2023/8/1</a:t>
+              <a:t>2023/9/11</a:t>
             </a:fld>
             <a:endParaRPr kumimoji="1" lang="zh-CN" altLang="en-US"/>
           </a:p>
@@ -2069,7 +2069,7 @@
           <a:p>
             <a:fld id="{57E701AB-C3AA-4248-B036-5F2E492147F9}" type="datetimeFigureOut">
               <a:rPr kumimoji="1" lang="zh-CN" altLang="en-US" smtClean="0"/>
-              <a:t>2023/8/1</a:t>
+              <a:t>2023/9/11</a:t>
             </a:fld>
             <a:endParaRPr kumimoji="1" lang="zh-CN" altLang="en-US"/>
           </a:p>
@@ -2380,7 +2380,7 @@
           <a:p>
             <a:fld id="{57E701AB-C3AA-4248-B036-5F2E492147F9}" type="datetimeFigureOut">
               <a:rPr kumimoji="1" lang="zh-CN" altLang="en-US" smtClean="0"/>
-              <a:t>2023/8/1</a:t>
+              <a:t>2023/9/11</a:t>
             </a:fld>
             <a:endParaRPr kumimoji="1" lang="zh-CN" altLang="en-US"/>
           </a:p>
@@ -2668,7 +2668,7 @@
           <a:p>
             <a:fld id="{57E701AB-C3AA-4248-B036-5F2E492147F9}" type="datetimeFigureOut">
               <a:rPr kumimoji="1" lang="zh-CN" altLang="en-US" smtClean="0"/>
-              <a:t>2023/8/1</a:t>
+              <a:t>2023/9/11</a:t>
             </a:fld>
             <a:endParaRPr kumimoji="1" lang="zh-CN" altLang="en-US"/>
           </a:p>
@@ -2909,7 +2909,7 @@
           <a:p>
             <a:fld id="{57E701AB-C3AA-4248-B036-5F2E492147F9}" type="datetimeFigureOut">
               <a:rPr kumimoji="1" lang="zh-CN" altLang="en-US" smtClean="0"/>
-              <a:t>2023/8/1</a:t>
+              <a:t>2023/9/11</a:t>
             </a:fld>
             <a:endParaRPr kumimoji="1" lang="zh-CN" altLang="en-US"/>
           </a:p>
@@ -3340,7 +3340,7 @@
         </p:nvGrpSpPr>
         <p:grpSpPr>
           <a:xfrm rot="5400000">
-            <a:off x="920829" y="2719442"/>
+            <a:off x="-224307" y="2616892"/>
             <a:ext cx="4894753" cy="1347520"/>
             <a:chOff x="2107904" y="2089782"/>
             <a:chExt cx="7316357" cy="2014185"/>
@@ -4892,7 +4892,7 @@
         </p:nvGrpSpPr>
         <p:grpSpPr>
           <a:xfrm>
-            <a:off x="6727301" y="2045256"/>
+            <a:off x="4136581" y="1843575"/>
             <a:ext cx="2288564" cy="2308189"/>
             <a:chOff x="6242839" y="1690868"/>
             <a:chExt cx="2288564" cy="2308189"/>
@@ -5601,6 +5601,1741 @@
           </p:style>
         </p:cxnSp>
       </p:grpSp>
+      <p:grpSp>
+        <p:nvGrpSpPr>
+          <p:cNvPr id="112" name="组合 111">
+            <a:extLst>
+              <a:ext uri="{FF2B5EF4-FFF2-40B4-BE49-F238E27FC236}">
+                <a16:creationId xmlns:a16="http://schemas.microsoft.com/office/drawing/2014/main" id="{C4FB7BE3-C002-5E8B-6D5F-2E9FD222EC97}"/>
+              </a:ext>
+            </a:extLst>
+          </p:cNvPr>
+          <p:cNvGrpSpPr/>
+          <p:nvPr/>
+        </p:nvGrpSpPr>
+        <p:grpSpPr>
+          <a:xfrm>
+            <a:off x="7476000" y="830271"/>
+            <a:ext cx="481694" cy="4894753"/>
+            <a:chOff x="8771569" y="830271"/>
+            <a:chExt cx="481694" cy="4894753"/>
+          </a:xfrm>
+        </p:grpSpPr>
+        <p:grpSp>
+          <p:nvGrpSpPr>
+            <p:cNvPr id="111" name="组合 110">
+              <a:extLst>
+                <a:ext uri="{FF2B5EF4-FFF2-40B4-BE49-F238E27FC236}">
+                  <a16:creationId xmlns:a16="http://schemas.microsoft.com/office/drawing/2014/main" id="{0B846625-6855-03EF-4D60-4FA0288C6069}"/>
+                </a:ext>
+              </a:extLst>
+            </p:cNvPr>
+            <p:cNvGrpSpPr/>
+            <p:nvPr/>
+          </p:nvGrpSpPr>
+          <p:grpSpPr>
+            <a:xfrm>
+              <a:off x="8771569" y="830271"/>
+              <a:ext cx="481691" cy="2240903"/>
+              <a:chOff x="8771569" y="830271"/>
+              <a:chExt cx="481691" cy="2240903"/>
+            </a:xfrm>
+          </p:grpSpPr>
+          <p:sp>
+            <p:nvSpPr>
+              <p:cNvPr id="78" name="椭圆 77">
+                <a:extLst>
+                  <a:ext uri="{FF2B5EF4-FFF2-40B4-BE49-F238E27FC236}">
+                    <a16:creationId xmlns:a16="http://schemas.microsoft.com/office/drawing/2014/main" id="{1755DA9E-14B7-9678-9795-20D4DF077BB5}"/>
+                  </a:ext>
+                </a:extLst>
+              </p:cNvPr>
+              <p:cNvSpPr/>
+              <p:nvPr/>
+            </p:nvSpPr>
+            <p:spPr>
+              <a:xfrm rot="5400000">
+                <a:off x="8771569" y="2589483"/>
+                <a:ext cx="481691" cy="481691"/>
+              </a:xfrm>
+              <a:prstGeom prst="ellipse">
+                <a:avLst/>
+              </a:prstGeom>
+              <a:ln>
+                <a:noFill/>
+              </a:ln>
+              <a:scene3d>
+                <a:camera prst="orthographicFront"/>
+                <a:lightRig rig="threePt" dir="t"/>
+              </a:scene3d>
+              <a:sp3d>
+                <a:bevelT w="1270000" h="1270000" prst="artDeco"/>
+              </a:sp3d>
+            </p:spPr>
+            <p:style>
+              <a:lnRef idx="2">
+                <a:schemeClr val="accent1">
+                  <a:shade val="15000"/>
+                </a:schemeClr>
+              </a:lnRef>
+              <a:fillRef idx="1">
+                <a:schemeClr val="accent1"/>
+              </a:fillRef>
+              <a:effectRef idx="0">
+                <a:schemeClr val="accent1"/>
+              </a:effectRef>
+              <a:fontRef idx="minor">
+                <a:schemeClr val="lt1"/>
+              </a:fontRef>
+            </p:style>
+            <p:txBody>
+              <a:bodyPr rtlCol="0" anchor="ctr">
+                <a:sp3d>
+                  <a:bevelT w="0" h="0"/>
+                </a:sp3d>
+              </a:bodyPr>
+              <a:lstStyle/>
+              <a:p>
+                <a:pPr algn="ctr"/>
+                <a:endParaRPr kumimoji="1" lang="zh-CN" altLang="en-US" dirty="0"/>
+              </a:p>
+            </p:txBody>
+          </p:sp>
+          <p:sp>
+            <p:nvSpPr>
+              <p:cNvPr id="79" name="椭圆 78">
+                <a:extLst>
+                  <a:ext uri="{FF2B5EF4-FFF2-40B4-BE49-F238E27FC236}">
+                    <a16:creationId xmlns:a16="http://schemas.microsoft.com/office/drawing/2014/main" id="{C242BBF5-C83C-CDF8-B121-E39A28ED73D8}"/>
+                  </a:ext>
+                </a:extLst>
+              </p:cNvPr>
+              <p:cNvSpPr/>
+              <p:nvPr/>
+            </p:nvSpPr>
+            <p:spPr>
+              <a:xfrm rot="5400000">
+                <a:off x="8771569" y="830271"/>
+                <a:ext cx="481691" cy="481691"/>
+              </a:xfrm>
+              <a:prstGeom prst="ellipse">
+                <a:avLst/>
+              </a:prstGeom>
+              <a:ln>
+                <a:noFill/>
+              </a:ln>
+              <a:scene3d>
+                <a:camera prst="orthographicFront"/>
+                <a:lightRig rig="threePt" dir="t"/>
+              </a:scene3d>
+              <a:sp3d>
+                <a:bevelT w="1270000" h="1270000" prst="artDeco"/>
+              </a:sp3d>
+            </p:spPr>
+            <p:style>
+              <a:lnRef idx="2">
+                <a:schemeClr val="accent1">
+                  <a:shade val="15000"/>
+                </a:schemeClr>
+              </a:lnRef>
+              <a:fillRef idx="1">
+                <a:schemeClr val="accent1"/>
+              </a:fillRef>
+              <a:effectRef idx="0">
+                <a:schemeClr val="accent1"/>
+              </a:effectRef>
+              <a:fontRef idx="minor">
+                <a:schemeClr val="lt1"/>
+              </a:fontRef>
+            </p:style>
+            <p:txBody>
+              <a:bodyPr rtlCol="0" anchor="ctr">
+                <a:sp3d>
+                  <a:bevelT w="0" h="0"/>
+                </a:sp3d>
+              </a:bodyPr>
+              <a:lstStyle/>
+              <a:p>
+                <a:pPr algn="ctr"/>
+                <a:endParaRPr kumimoji="1" lang="zh-CN" altLang="en-US" dirty="0"/>
+              </a:p>
+            </p:txBody>
+          </p:sp>
+          <p:sp>
+            <p:nvSpPr>
+              <p:cNvPr id="81" name="椭圆 80">
+                <a:extLst>
+                  <a:ext uri="{FF2B5EF4-FFF2-40B4-BE49-F238E27FC236}">
+                    <a16:creationId xmlns:a16="http://schemas.microsoft.com/office/drawing/2014/main" id="{5513B5FD-6678-EB9F-9BA7-D0D214A02DBA}"/>
+                  </a:ext>
+                </a:extLst>
+              </p:cNvPr>
+              <p:cNvSpPr/>
+              <p:nvPr/>
+            </p:nvSpPr>
+            <p:spPr>
+              <a:xfrm rot="5400000">
+                <a:off x="8771569" y="1709877"/>
+                <a:ext cx="481691" cy="481691"/>
+              </a:xfrm>
+              <a:prstGeom prst="ellipse">
+                <a:avLst/>
+              </a:prstGeom>
+              <a:ln>
+                <a:noFill/>
+              </a:ln>
+              <a:scene3d>
+                <a:camera prst="orthographicFront"/>
+                <a:lightRig rig="threePt" dir="t"/>
+              </a:scene3d>
+              <a:sp3d>
+                <a:bevelT w="1270000" h="1270000" prst="artDeco"/>
+              </a:sp3d>
+            </p:spPr>
+            <p:style>
+              <a:lnRef idx="2">
+                <a:schemeClr val="accent1">
+                  <a:shade val="15000"/>
+                </a:schemeClr>
+              </a:lnRef>
+              <a:fillRef idx="1">
+                <a:schemeClr val="accent1"/>
+              </a:fillRef>
+              <a:effectRef idx="0">
+                <a:schemeClr val="accent1"/>
+              </a:effectRef>
+              <a:fontRef idx="minor">
+                <a:schemeClr val="lt1"/>
+              </a:fontRef>
+            </p:style>
+            <p:txBody>
+              <a:bodyPr rtlCol="0" anchor="ctr">
+                <a:sp3d>
+                  <a:bevelT w="0" h="0"/>
+                </a:sp3d>
+              </a:bodyPr>
+              <a:lstStyle/>
+              <a:p>
+                <a:pPr algn="ctr"/>
+                <a:endParaRPr kumimoji="1" lang="zh-CN" altLang="en-US" dirty="0"/>
+              </a:p>
+            </p:txBody>
+          </p:sp>
+        </p:grpSp>
+        <p:grpSp>
+          <p:nvGrpSpPr>
+            <p:cNvPr id="90" name="组合 89">
+              <a:extLst>
+                <a:ext uri="{FF2B5EF4-FFF2-40B4-BE49-F238E27FC236}">
+                  <a16:creationId xmlns:a16="http://schemas.microsoft.com/office/drawing/2014/main" id="{B4A18E72-8250-B73F-A07B-3EFC599B8DA1}"/>
+                </a:ext>
+              </a:extLst>
+            </p:cNvPr>
+            <p:cNvGrpSpPr/>
+            <p:nvPr/>
+          </p:nvGrpSpPr>
+          <p:grpSpPr>
+            <a:xfrm>
+              <a:off x="8971786" y="1303194"/>
+              <a:ext cx="87067" cy="421206"/>
+              <a:chOff x="8971786" y="1303194"/>
+              <a:chExt cx="87067" cy="421206"/>
+            </a:xfrm>
+          </p:grpSpPr>
+          <p:cxnSp>
+            <p:nvCxnSpPr>
+              <p:cNvPr id="72" name="直线连接符 71">
+                <a:extLst>
+                  <a:ext uri="{FF2B5EF4-FFF2-40B4-BE49-F238E27FC236}">
+                    <a16:creationId xmlns:a16="http://schemas.microsoft.com/office/drawing/2014/main" id="{2691E0E3-8920-54FD-401C-D0EF1E8A6B41}"/>
+                  </a:ext>
+                </a:extLst>
+              </p:cNvPr>
+              <p:cNvCxnSpPr>
+                <a:cxnSpLocks/>
+              </p:cNvCxnSpPr>
+              <p:nvPr/>
+            </p:nvCxnSpPr>
+            <p:spPr>
+              <a:xfrm flipV="1">
+                <a:off x="8971786" y="1303194"/>
+                <a:ext cx="0" cy="420911"/>
+              </a:xfrm>
+              <a:prstGeom prst="line">
+                <a:avLst/>
+              </a:prstGeom>
+              <a:ln w="46990">
+                <a:solidFill>
+                  <a:srgbClr val="FFC000">
+                    <a:alpha val="83000"/>
+                  </a:srgbClr>
+                </a:solidFill>
+              </a:ln>
+            </p:spPr>
+            <p:style>
+              <a:lnRef idx="1">
+                <a:schemeClr val="accent1"/>
+              </a:lnRef>
+              <a:fillRef idx="0">
+                <a:schemeClr val="accent1"/>
+              </a:fillRef>
+              <a:effectRef idx="0">
+                <a:schemeClr val="accent1"/>
+              </a:effectRef>
+              <a:fontRef idx="minor">
+                <a:schemeClr val="tx1"/>
+              </a:fontRef>
+            </p:style>
+          </p:cxnSp>
+          <p:cxnSp>
+            <p:nvCxnSpPr>
+              <p:cNvPr id="74" name="直线连接符 73">
+                <a:extLst>
+                  <a:ext uri="{FF2B5EF4-FFF2-40B4-BE49-F238E27FC236}">
+                    <a16:creationId xmlns:a16="http://schemas.microsoft.com/office/drawing/2014/main" id="{8EB645DB-66E8-631A-1E6A-CC1A1BF14168}"/>
+                  </a:ext>
+                </a:extLst>
+              </p:cNvPr>
+              <p:cNvCxnSpPr>
+                <a:cxnSpLocks/>
+              </p:cNvCxnSpPr>
+              <p:nvPr/>
+            </p:nvCxnSpPr>
+            <p:spPr>
+              <a:xfrm rot="5400000" flipH="1">
+                <a:off x="8813457" y="1510919"/>
+                <a:ext cx="397915" cy="0"/>
+              </a:xfrm>
+              <a:prstGeom prst="line">
+                <a:avLst/>
+              </a:prstGeom>
+              <a:ln w="46990">
+                <a:solidFill>
+                  <a:srgbClr val="FF0000">
+                    <a:alpha val="83000"/>
+                  </a:srgbClr>
+                </a:solidFill>
+              </a:ln>
+            </p:spPr>
+            <p:style>
+              <a:lnRef idx="1">
+                <a:schemeClr val="accent1"/>
+              </a:lnRef>
+              <a:fillRef idx="0">
+                <a:schemeClr val="accent1"/>
+              </a:fillRef>
+              <a:effectRef idx="0">
+                <a:schemeClr val="accent1"/>
+              </a:effectRef>
+              <a:fontRef idx="minor">
+                <a:schemeClr val="tx1"/>
+              </a:fontRef>
+            </p:style>
+          </p:cxnSp>
+          <p:cxnSp>
+            <p:nvCxnSpPr>
+              <p:cNvPr id="86" name="直线连接符 85">
+                <a:extLst>
+                  <a:ext uri="{FF2B5EF4-FFF2-40B4-BE49-F238E27FC236}">
+                    <a16:creationId xmlns:a16="http://schemas.microsoft.com/office/drawing/2014/main" id="{97CD7F13-5B31-52AB-A4F9-14D18B9874CD}"/>
+                  </a:ext>
+                </a:extLst>
+              </p:cNvPr>
+              <p:cNvCxnSpPr>
+                <a:cxnSpLocks/>
+              </p:cNvCxnSpPr>
+              <p:nvPr/>
+            </p:nvCxnSpPr>
+            <p:spPr>
+              <a:xfrm flipV="1">
+                <a:off x="9058853" y="1303200"/>
+                <a:ext cx="0" cy="421200"/>
+              </a:xfrm>
+              <a:prstGeom prst="line">
+                <a:avLst/>
+              </a:prstGeom>
+              <a:ln w="46990">
+                <a:solidFill>
+                  <a:srgbClr val="00B050">
+                    <a:alpha val="83000"/>
+                  </a:srgbClr>
+                </a:solidFill>
+              </a:ln>
+            </p:spPr>
+            <p:style>
+              <a:lnRef idx="1">
+                <a:schemeClr val="accent1"/>
+              </a:lnRef>
+              <a:fillRef idx="0">
+                <a:schemeClr val="accent1"/>
+              </a:fillRef>
+              <a:effectRef idx="0">
+                <a:schemeClr val="accent1"/>
+              </a:effectRef>
+              <a:fontRef idx="minor">
+                <a:schemeClr val="tx1"/>
+              </a:fontRef>
+            </p:style>
+          </p:cxnSp>
+        </p:grpSp>
+        <p:grpSp>
+          <p:nvGrpSpPr>
+            <p:cNvPr id="34" name="组合 33">
+              <a:extLst>
+                <a:ext uri="{FF2B5EF4-FFF2-40B4-BE49-F238E27FC236}">
+                  <a16:creationId xmlns:a16="http://schemas.microsoft.com/office/drawing/2014/main" id="{37F8EA18-FB90-C857-178A-35572F066904}"/>
+                </a:ext>
+              </a:extLst>
+            </p:cNvPr>
+            <p:cNvGrpSpPr/>
+            <p:nvPr/>
+          </p:nvGrpSpPr>
+          <p:grpSpPr>
+            <a:xfrm rot="5400000">
+              <a:off x="7881849" y="4353609"/>
+              <a:ext cx="2261138" cy="481691"/>
+              <a:chOff x="1813293" y="3625599"/>
+              <a:chExt cx="3379801" cy="720001"/>
+            </a:xfrm>
+          </p:grpSpPr>
+          <p:sp>
+            <p:nvSpPr>
+              <p:cNvPr id="63" name="椭圆 62">
+                <a:extLst>
+                  <a:ext uri="{FF2B5EF4-FFF2-40B4-BE49-F238E27FC236}">
+                    <a16:creationId xmlns:a16="http://schemas.microsoft.com/office/drawing/2014/main" id="{07418FBA-021F-5C93-B43A-984A9A519145}"/>
+                  </a:ext>
+                </a:extLst>
+              </p:cNvPr>
+              <p:cNvSpPr/>
+              <p:nvPr/>
+            </p:nvSpPr>
+            <p:spPr>
+              <a:xfrm>
+                <a:off x="4473094" y="3625599"/>
+                <a:ext cx="720000" cy="720000"/>
+              </a:xfrm>
+              <a:prstGeom prst="ellipse">
+                <a:avLst/>
+              </a:prstGeom>
+              <a:ln>
+                <a:noFill/>
+              </a:ln>
+              <a:scene3d>
+                <a:camera prst="orthographicFront"/>
+                <a:lightRig rig="threePt" dir="t"/>
+              </a:scene3d>
+              <a:sp3d>
+                <a:bevelT w="1270000" h="1270000" prst="artDeco"/>
+              </a:sp3d>
+            </p:spPr>
+            <p:style>
+              <a:lnRef idx="2">
+                <a:schemeClr val="accent1">
+                  <a:shade val="15000"/>
+                </a:schemeClr>
+              </a:lnRef>
+              <a:fillRef idx="1">
+                <a:schemeClr val="accent1"/>
+              </a:fillRef>
+              <a:effectRef idx="0">
+                <a:schemeClr val="accent1"/>
+              </a:effectRef>
+              <a:fontRef idx="minor">
+                <a:schemeClr val="lt1"/>
+              </a:fontRef>
+            </p:style>
+            <p:txBody>
+              <a:bodyPr rtlCol="0" anchor="ctr">
+                <a:sp3d>
+                  <a:bevelT w="0" h="0"/>
+                </a:sp3d>
+              </a:bodyPr>
+              <a:lstStyle/>
+              <a:p>
+                <a:pPr algn="ctr"/>
+                <a:endParaRPr kumimoji="1" lang="zh-CN" altLang="en-US" dirty="0"/>
+              </a:p>
+            </p:txBody>
+          </p:sp>
+          <p:sp>
+            <p:nvSpPr>
+              <p:cNvPr id="64" name="椭圆 63">
+                <a:extLst>
+                  <a:ext uri="{FF2B5EF4-FFF2-40B4-BE49-F238E27FC236}">
+                    <a16:creationId xmlns:a16="http://schemas.microsoft.com/office/drawing/2014/main" id="{63E7085D-97C9-37D0-907D-C2A238085FFB}"/>
+                  </a:ext>
+                </a:extLst>
+              </p:cNvPr>
+              <p:cNvSpPr/>
+              <p:nvPr/>
+            </p:nvSpPr>
+            <p:spPr>
+              <a:xfrm>
+                <a:off x="1813293" y="3625600"/>
+                <a:ext cx="720000" cy="720000"/>
+              </a:xfrm>
+              <a:prstGeom prst="ellipse">
+                <a:avLst/>
+              </a:prstGeom>
+              <a:ln>
+                <a:noFill/>
+              </a:ln>
+              <a:scene3d>
+                <a:camera prst="orthographicFront"/>
+                <a:lightRig rig="threePt" dir="t"/>
+              </a:scene3d>
+              <a:sp3d>
+                <a:bevelT w="1270000" h="1270000" prst="artDeco"/>
+              </a:sp3d>
+            </p:spPr>
+            <p:style>
+              <a:lnRef idx="2">
+                <a:schemeClr val="accent1">
+                  <a:shade val="15000"/>
+                </a:schemeClr>
+              </a:lnRef>
+              <a:fillRef idx="1">
+                <a:schemeClr val="accent1"/>
+              </a:fillRef>
+              <a:effectRef idx="0">
+                <a:schemeClr val="accent1"/>
+              </a:effectRef>
+              <a:fontRef idx="minor">
+                <a:schemeClr val="lt1"/>
+              </a:fontRef>
+            </p:style>
+            <p:txBody>
+              <a:bodyPr rtlCol="0" anchor="ctr">
+                <a:sp3d>
+                  <a:bevelT w="0" h="0"/>
+                </a:sp3d>
+              </a:bodyPr>
+              <a:lstStyle/>
+              <a:p>
+                <a:pPr algn="ctr"/>
+                <a:endParaRPr kumimoji="1" lang="zh-CN" altLang="en-US" dirty="0"/>
+              </a:p>
+            </p:txBody>
+          </p:sp>
+          <p:sp>
+            <p:nvSpPr>
+              <p:cNvPr id="66" name="椭圆 65">
+                <a:extLst>
+                  <a:ext uri="{FF2B5EF4-FFF2-40B4-BE49-F238E27FC236}">
+                    <a16:creationId xmlns:a16="http://schemas.microsoft.com/office/drawing/2014/main" id="{05ECFCE0-5BB7-F467-EE7E-934DEFB2C28E}"/>
+                  </a:ext>
+                </a:extLst>
+              </p:cNvPr>
+              <p:cNvSpPr/>
+              <p:nvPr/>
+            </p:nvSpPr>
+            <p:spPr>
+              <a:xfrm>
+                <a:off x="3133415" y="3625600"/>
+                <a:ext cx="720000" cy="720000"/>
+              </a:xfrm>
+              <a:prstGeom prst="ellipse">
+                <a:avLst/>
+              </a:prstGeom>
+              <a:ln>
+                <a:noFill/>
+              </a:ln>
+              <a:scene3d>
+                <a:camera prst="orthographicFront"/>
+                <a:lightRig rig="threePt" dir="t"/>
+              </a:scene3d>
+              <a:sp3d>
+                <a:bevelT w="1270000" h="1270000" prst="artDeco"/>
+              </a:sp3d>
+            </p:spPr>
+            <p:style>
+              <a:lnRef idx="2">
+                <a:schemeClr val="accent1">
+                  <a:shade val="15000"/>
+                </a:schemeClr>
+              </a:lnRef>
+              <a:fillRef idx="1">
+                <a:schemeClr val="accent1"/>
+              </a:fillRef>
+              <a:effectRef idx="0">
+                <a:schemeClr val="accent1"/>
+              </a:effectRef>
+              <a:fontRef idx="minor">
+                <a:schemeClr val="lt1"/>
+              </a:fontRef>
+            </p:style>
+            <p:txBody>
+              <a:bodyPr rtlCol="0" anchor="ctr">
+                <a:sp3d>
+                  <a:bevelT w="0" h="0"/>
+                </a:sp3d>
+              </a:bodyPr>
+              <a:lstStyle/>
+              <a:p>
+                <a:pPr algn="ctr"/>
+                <a:endParaRPr kumimoji="1" lang="zh-CN" altLang="en-US" dirty="0"/>
+              </a:p>
+            </p:txBody>
+          </p:sp>
+        </p:grpSp>
+        <p:grpSp>
+          <p:nvGrpSpPr>
+            <p:cNvPr id="99" name="组合 98">
+              <a:extLst>
+                <a:ext uri="{FF2B5EF4-FFF2-40B4-BE49-F238E27FC236}">
+                  <a16:creationId xmlns:a16="http://schemas.microsoft.com/office/drawing/2014/main" id="{4E4D9451-A23C-8389-903F-B4FB4682F62E}"/>
+                </a:ext>
+              </a:extLst>
+            </p:cNvPr>
+            <p:cNvGrpSpPr/>
+            <p:nvPr/>
+          </p:nvGrpSpPr>
+          <p:grpSpPr>
+            <a:xfrm>
+              <a:off x="8968880" y="2184225"/>
+              <a:ext cx="87067" cy="421918"/>
+              <a:chOff x="8971786" y="1302187"/>
+              <a:chExt cx="87067" cy="421918"/>
+            </a:xfrm>
+          </p:grpSpPr>
+          <p:cxnSp>
+            <p:nvCxnSpPr>
+              <p:cNvPr id="100" name="直线连接符 99">
+                <a:extLst>
+                  <a:ext uri="{FF2B5EF4-FFF2-40B4-BE49-F238E27FC236}">
+                    <a16:creationId xmlns:a16="http://schemas.microsoft.com/office/drawing/2014/main" id="{DFFB6286-C2F3-7C0D-FB10-63405528C44B}"/>
+                  </a:ext>
+                </a:extLst>
+              </p:cNvPr>
+              <p:cNvCxnSpPr>
+                <a:cxnSpLocks/>
+              </p:cNvCxnSpPr>
+              <p:nvPr/>
+            </p:nvCxnSpPr>
+            <p:spPr>
+              <a:xfrm flipV="1">
+                <a:off x="8971786" y="1303194"/>
+                <a:ext cx="0" cy="420911"/>
+              </a:xfrm>
+              <a:prstGeom prst="line">
+                <a:avLst/>
+              </a:prstGeom>
+              <a:ln w="46990">
+                <a:solidFill>
+                  <a:srgbClr val="FFC000">
+                    <a:alpha val="83000"/>
+                  </a:srgbClr>
+                </a:solidFill>
+              </a:ln>
+            </p:spPr>
+            <p:style>
+              <a:lnRef idx="1">
+                <a:schemeClr val="accent1"/>
+              </a:lnRef>
+              <a:fillRef idx="0">
+                <a:schemeClr val="accent1"/>
+              </a:fillRef>
+              <a:effectRef idx="0">
+                <a:schemeClr val="accent1"/>
+              </a:effectRef>
+              <a:fontRef idx="minor">
+                <a:schemeClr val="tx1"/>
+              </a:fontRef>
+            </p:style>
+          </p:cxnSp>
+          <p:cxnSp>
+            <p:nvCxnSpPr>
+              <p:cNvPr id="101" name="直线连接符 100">
+                <a:extLst>
+                  <a:ext uri="{FF2B5EF4-FFF2-40B4-BE49-F238E27FC236}">
+                    <a16:creationId xmlns:a16="http://schemas.microsoft.com/office/drawing/2014/main" id="{BBA4FA5D-1874-4AEA-FF09-E151DB028AF7}"/>
+                  </a:ext>
+                </a:extLst>
+              </p:cNvPr>
+              <p:cNvCxnSpPr>
+                <a:cxnSpLocks/>
+              </p:cNvCxnSpPr>
+              <p:nvPr/>
+            </p:nvCxnSpPr>
+            <p:spPr>
+              <a:xfrm rot="5400000" flipH="1">
+                <a:off x="8813457" y="1510919"/>
+                <a:ext cx="397915" cy="0"/>
+              </a:xfrm>
+              <a:prstGeom prst="line">
+                <a:avLst/>
+              </a:prstGeom>
+              <a:ln w="46990">
+                <a:solidFill>
+                  <a:srgbClr val="FF0000">
+                    <a:alpha val="83000"/>
+                  </a:srgbClr>
+                </a:solidFill>
+              </a:ln>
+            </p:spPr>
+            <p:style>
+              <a:lnRef idx="1">
+                <a:schemeClr val="accent1"/>
+              </a:lnRef>
+              <a:fillRef idx="0">
+                <a:schemeClr val="accent1"/>
+              </a:fillRef>
+              <a:effectRef idx="0">
+                <a:schemeClr val="accent1"/>
+              </a:effectRef>
+              <a:fontRef idx="minor">
+                <a:schemeClr val="tx1"/>
+              </a:fontRef>
+            </p:style>
+          </p:cxnSp>
+          <p:cxnSp>
+            <p:nvCxnSpPr>
+              <p:cNvPr id="102" name="直线连接符 101">
+                <a:extLst>
+                  <a:ext uri="{FF2B5EF4-FFF2-40B4-BE49-F238E27FC236}">
+                    <a16:creationId xmlns:a16="http://schemas.microsoft.com/office/drawing/2014/main" id="{88168403-3EF5-AD64-40C8-733CD2AE97CC}"/>
+                  </a:ext>
+                </a:extLst>
+              </p:cNvPr>
+              <p:cNvCxnSpPr>
+                <a:cxnSpLocks/>
+              </p:cNvCxnSpPr>
+              <p:nvPr/>
+            </p:nvCxnSpPr>
+            <p:spPr>
+              <a:xfrm flipV="1">
+                <a:off x="9058853" y="1302187"/>
+                <a:ext cx="0" cy="421200"/>
+              </a:xfrm>
+              <a:prstGeom prst="line">
+                <a:avLst/>
+              </a:prstGeom>
+              <a:ln w="46990">
+                <a:solidFill>
+                  <a:srgbClr val="00B050">
+                    <a:alpha val="83000"/>
+                  </a:srgbClr>
+                </a:solidFill>
+              </a:ln>
+            </p:spPr>
+            <p:style>
+              <a:lnRef idx="1">
+                <a:schemeClr val="accent1"/>
+              </a:lnRef>
+              <a:fillRef idx="0">
+                <a:schemeClr val="accent1"/>
+              </a:fillRef>
+              <a:effectRef idx="0">
+                <a:schemeClr val="accent1"/>
+              </a:effectRef>
+              <a:fontRef idx="minor">
+                <a:schemeClr val="tx1"/>
+              </a:fontRef>
+            </p:style>
+          </p:cxnSp>
+        </p:grpSp>
+        <p:grpSp>
+          <p:nvGrpSpPr>
+            <p:cNvPr id="103" name="组合 102">
+              <a:extLst>
+                <a:ext uri="{FF2B5EF4-FFF2-40B4-BE49-F238E27FC236}">
+                  <a16:creationId xmlns:a16="http://schemas.microsoft.com/office/drawing/2014/main" id="{AA9F8F92-C3E8-ADBB-CF4B-6AB56317868B}"/>
+                </a:ext>
+              </a:extLst>
+            </p:cNvPr>
+            <p:cNvGrpSpPr/>
+            <p:nvPr/>
+          </p:nvGrpSpPr>
+          <p:grpSpPr>
+            <a:xfrm>
+              <a:off x="8971786" y="3936703"/>
+              <a:ext cx="87067" cy="421918"/>
+              <a:chOff x="8971786" y="1302187"/>
+              <a:chExt cx="87067" cy="421918"/>
+            </a:xfrm>
+          </p:grpSpPr>
+          <p:cxnSp>
+            <p:nvCxnSpPr>
+              <p:cNvPr id="104" name="直线连接符 103">
+                <a:extLst>
+                  <a:ext uri="{FF2B5EF4-FFF2-40B4-BE49-F238E27FC236}">
+                    <a16:creationId xmlns:a16="http://schemas.microsoft.com/office/drawing/2014/main" id="{3ACEF1EA-F1B3-54F5-B1CF-BE1A76A27086}"/>
+                  </a:ext>
+                </a:extLst>
+              </p:cNvPr>
+              <p:cNvCxnSpPr>
+                <a:cxnSpLocks/>
+              </p:cNvCxnSpPr>
+              <p:nvPr/>
+            </p:nvCxnSpPr>
+            <p:spPr>
+              <a:xfrm flipV="1">
+                <a:off x="8971786" y="1303194"/>
+                <a:ext cx="0" cy="420911"/>
+              </a:xfrm>
+              <a:prstGeom prst="line">
+                <a:avLst/>
+              </a:prstGeom>
+              <a:ln w="46990">
+                <a:solidFill>
+                  <a:srgbClr val="FFC000">
+                    <a:alpha val="83000"/>
+                  </a:srgbClr>
+                </a:solidFill>
+              </a:ln>
+            </p:spPr>
+            <p:style>
+              <a:lnRef idx="1">
+                <a:schemeClr val="accent1"/>
+              </a:lnRef>
+              <a:fillRef idx="0">
+                <a:schemeClr val="accent1"/>
+              </a:fillRef>
+              <a:effectRef idx="0">
+                <a:schemeClr val="accent1"/>
+              </a:effectRef>
+              <a:fontRef idx="minor">
+                <a:schemeClr val="tx1"/>
+              </a:fontRef>
+            </p:style>
+          </p:cxnSp>
+          <p:cxnSp>
+            <p:nvCxnSpPr>
+              <p:cNvPr id="105" name="直线连接符 104">
+                <a:extLst>
+                  <a:ext uri="{FF2B5EF4-FFF2-40B4-BE49-F238E27FC236}">
+                    <a16:creationId xmlns:a16="http://schemas.microsoft.com/office/drawing/2014/main" id="{E277B3DA-0825-197A-6B4B-F3CF612F40F7}"/>
+                  </a:ext>
+                </a:extLst>
+              </p:cNvPr>
+              <p:cNvCxnSpPr>
+                <a:cxnSpLocks/>
+              </p:cNvCxnSpPr>
+              <p:nvPr/>
+            </p:nvCxnSpPr>
+            <p:spPr>
+              <a:xfrm rot="5400000" flipH="1">
+                <a:off x="8813457" y="1510919"/>
+                <a:ext cx="397915" cy="0"/>
+              </a:xfrm>
+              <a:prstGeom prst="line">
+                <a:avLst/>
+              </a:prstGeom>
+              <a:ln w="46990">
+                <a:solidFill>
+                  <a:srgbClr val="FF0000">
+                    <a:alpha val="83000"/>
+                  </a:srgbClr>
+                </a:solidFill>
+              </a:ln>
+            </p:spPr>
+            <p:style>
+              <a:lnRef idx="1">
+                <a:schemeClr val="accent1"/>
+              </a:lnRef>
+              <a:fillRef idx="0">
+                <a:schemeClr val="accent1"/>
+              </a:fillRef>
+              <a:effectRef idx="0">
+                <a:schemeClr val="accent1"/>
+              </a:effectRef>
+              <a:fontRef idx="minor">
+                <a:schemeClr val="tx1"/>
+              </a:fontRef>
+            </p:style>
+          </p:cxnSp>
+          <p:cxnSp>
+            <p:nvCxnSpPr>
+              <p:cNvPr id="106" name="直线连接符 105">
+                <a:extLst>
+                  <a:ext uri="{FF2B5EF4-FFF2-40B4-BE49-F238E27FC236}">
+                    <a16:creationId xmlns:a16="http://schemas.microsoft.com/office/drawing/2014/main" id="{525CBB96-8B8B-4553-8F82-46B2955D22BB}"/>
+                  </a:ext>
+                </a:extLst>
+              </p:cNvPr>
+              <p:cNvCxnSpPr>
+                <a:cxnSpLocks/>
+              </p:cNvCxnSpPr>
+              <p:nvPr/>
+            </p:nvCxnSpPr>
+            <p:spPr>
+              <a:xfrm flipV="1">
+                <a:off x="9058853" y="1302187"/>
+                <a:ext cx="0" cy="421200"/>
+              </a:xfrm>
+              <a:prstGeom prst="line">
+                <a:avLst/>
+              </a:prstGeom>
+              <a:ln w="46990">
+                <a:solidFill>
+                  <a:srgbClr val="00B050">
+                    <a:alpha val="83000"/>
+                  </a:srgbClr>
+                </a:solidFill>
+              </a:ln>
+            </p:spPr>
+            <p:style>
+              <a:lnRef idx="1">
+                <a:schemeClr val="accent1"/>
+              </a:lnRef>
+              <a:fillRef idx="0">
+                <a:schemeClr val="accent1"/>
+              </a:fillRef>
+              <a:effectRef idx="0">
+                <a:schemeClr val="accent1"/>
+              </a:effectRef>
+              <a:fontRef idx="minor">
+                <a:schemeClr val="tx1"/>
+              </a:fontRef>
+            </p:style>
+          </p:cxnSp>
+        </p:grpSp>
+        <p:grpSp>
+          <p:nvGrpSpPr>
+            <p:cNvPr id="107" name="组合 106">
+              <a:extLst>
+                <a:ext uri="{FF2B5EF4-FFF2-40B4-BE49-F238E27FC236}">
+                  <a16:creationId xmlns:a16="http://schemas.microsoft.com/office/drawing/2014/main" id="{1ECC7F23-070F-129F-5909-37C0F76A1932}"/>
+                </a:ext>
+              </a:extLst>
+            </p:cNvPr>
+            <p:cNvGrpSpPr/>
+            <p:nvPr/>
+          </p:nvGrpSpPr>
+          <p:grpSpPr>
+            <a:xfrm>
+              <a:off x="8971786" y="4830530"/>
+              <a:ext cx="87067" cy="421918"/>
+              <a:chOff x="8971786" y="1302187"/>
+              <a:chExt cx="87067" cy="421918"/>
+            </a:xfrm>
+          </p:grpSpPr>
+          <p:cxnSp>
+            <p:nvCxnSpPr>
+              <p:cNvPr id="108" name="直线连接符 107">
+                <a:extLst>
+                  <a:ext uri="{FF2B5EF4-FFF2-40B4-BE49-F238E27FC236}">
+                    <a16:creationId xmlns:a16="http://schemas.microsoft.com/office/drawing/2014/main" id="{751402A5-666C-BBC0-3169-911B830F7455}"/>
+                  </a:ext>
+                </a:extLst>
+              </p:cNvPr>
+              <p:cNvCxnSpPr>
+                <a:cxnSpLocks/>
+              </p:cNvCxnSpPr>
+              <p:nvPr/>
+            </p:nvCxnSpPr>
+            <p:spPr>
+              <a:xfrm flipV="1">
+                <a:off x="8971786" y="1303194"/>
+                <a:ext cx="0" cy="420911"/>
+              </a:xfrm>
+              <a:prstGeom prst="line">
+                <a:avLst/>
+              </a:prstGeom>
+              <a:ln w="46990">
+                <a:solidFill>
+                  <a:srgbClr val="FFC000">
+                    <a:alpha val="83000"/>
+                  </a:srgbClr>
+                </a:solidFill>
+              </a:ln>
+            </p:spPr>
+            <p:style>
+              <a:lnRef idx="1">
+                <a:schemeClr val="accent1"/>
+              </a:lnRef>
+              <a:fillRef idx="0">
+                <a:schemeClr val="accent1"/>
+              </a:fillRef>
+              <a:effectRef idx="0">
+                <a:schemeClr val="accent1"/>
+              </a:effectRef>
+              <a:fontRef idx="minor">
+                <a:schemeClr val="tx1"/>
+              </a:fontRef>
+            </p:style>
+          </p:cxnSp>
+          <p:cxnSp>
+            <p:nvCxnSpPr>
+              <p:cNvPr id="109" name="直线连接符 108">
+                <a:extLst>
+                  <a:ext uri="{FF2B5EF4-FFF2-40B4-BE49-F238E27FC236}">
+                    <a16:creationId xmlns:a16="http://schemas.microsoft.com/office/drawing/2014/main" id="{245072A5-0A8C-9D3E-C056-C4EEDF1B5EB5}"/>
+                  </a:ext>
+                </a:extLst>
+              </p:cNvPr>
+              <p:cNvCxnSpPr>
+                <a:cxnSpLocks/>
+              </p:cNvCxnSpPr>
+              <p:nvPr/>
+            </p:nvCxnSpPr>
+            <p:spPr>
+              <a:xfrm rot="5400000" flipH="1">
+                <a:off x="8813457" y="1510919"/>
+                <a:ext cx="397915" cy="0"/>
+              </a:xfrm>
+              <a:prstGeom prst="line">
+                <a:avLst/>
+              </a:prstGeom>
+              <a:ln w="46990">
+                <a:solidFill>
+                  <a:srgbClr val="FF0000">
+                    <a:alpha val="83000"/>
+                  </a:srgbClr>
+                </a:solidFill>
+              </a:ln>
+            </p:spPr>
+            <p:style>
+              <a:lnRef idx="1">
+                <a:schemeClr val="accent1"/>
+              </a:lnRef>
+              <a:fillRef idx="0">
+                <a:schemeClr val="accent1"/>
+              </a:fillRef>
+              <a:effectRef idx="0">
+                <a:schemeClr val="accent1"/>
+              </a:effectRef>
+              <a:fontRef idx="minor">
+                <a:schemeClr val="tx1"/>
+              </a:fontRef>
+            </p:style>
+          </p:cxnSp>
+          <p:cxnSp>
+            <p:nvCxnSpPr>
+              <p:cNvPr id="110" name="直线连接符 109">
+                <a:extLst>
+                  <a:ext uri="{FF2B5EF4-FFF2-40B4-BE49-F238E27FC236}">
+                    <a16:creationId xmlns:a16="http://schemas.microsoft.com/office/drawing/2014/main" id="{083A3A24-1300-9897-696C-73CF89EC428D}"/>
+                  </a:ext>
+                </a:extLst>
+              </p:cNvPr>
+              <p:cNvCxnSpPr>
+                <a:cxnSpLocks/>
+              </p:cNvCxnSpPr>
+              <p:nvPr/>
+            </p:nvCxnSpPr>
+            <p:spPr>
+              <a:xfrm flipV="1">
+                <a:off x="9058853" y="1302187"/>
+                <a:ext cx="0" cy="421200"/>
+              </a:xfrm>
+              <a:prstGeom prst="line">
+                <a:avLst/>
+              </a:prstGeom>
+              <a:ln w="46990">
+                <a:solidFill>
+                  <a:srgbClr val="00B050">
+                    <a:alpha val="83000"/>
+                  </a:srgbClr>
+                </a:solidFill>
+              </a:ln>
+            </p:spPr>
+            <p:style>
+              <a:lnRef idx="1">
+                <a:schemeClr val="accent1"/>
+              </a:lnRef>
+              <a:fillRef idx="0">
+                <a:schemeClr val="accent1"/>
+              </a:fillRef>
+              <a:effectRef idx="0">
+                <a:schemeClr val="accent1"/>
+              </a:effectRef>
+              <a:fontRef idx="minor">
+                <a:schemeClr val="tx1"/>
+              </a:fontRef>
+            </p:style>
+          </p:cxnSp>
+        </p:grpSp>
+      </p:grpSp>
+      <p:grpSp>
+        <p:nvGrpSpPr>
+          <p:cNvPr id="139" name="组合 138">
+            <a:extLst>
+              <a:ext uri="{FF2B5EF4-FFF2-40B4-BE49-F238E27FC236}">
+                <a16:creationId xmlns:a16="http://schemas.microsoft.com/office/drawing/2014/main" id="{3ACBDE92-D61A-3488-A914-A49D8343E6B3}"/>
+              </a:ext>
+            </a:extLst>
+          </p:cNvPr>
+          <p:cNvGrpSpPr/>
+          <p:nvPr/>
+        </p:nvGrpSpPr>
+        <p:grpSpPr>
+          <a:xfrm>
+            <a:off x="10310603" y="1591608"/>
+            <a:ext cx="481691" cy="1361297"/>
+            <a:chOff x="10310604" y="1809347"/>
+            <a:chExt cx="481691" cy="1361297"/>
+          </a:xfrm>
+        </p:grpSpPr>
+        <p:grpSp>
+          <p:nvGrpSpPr>
+            <p:cNvPr id="114" name="组合 113">
+              <a:extLst>
+                <a:ext uri="{FF2B5EF4-FFF2-40B4-BE49-F238E27FC236}">
+                  <a16:creationId xmlns:a16="http://schemas.microsoft.com/office/drawing/2014/main" id="{CC6BA972-D0EA-F67C-F1E3-068CC96CE2C8}"/>
+                </a:ext>
+              </a:extLst>
+            </p:cNvPr>
+            <p:cNvGrpSpPr/>
+            <p:nvPr/>
+          </p:nvGrpSpPr>
+          <p:grpSpPr>
+            <a:xfrm>
+              <a:off x="10310604" y="1809347"/>
+              <a:ext cx="481691" cy="1361297"/>
+              <a:chOff x="8771569" y="1709877"/>
+              <a:chExt cx="481691" cy="1361297"/>
+            </a:xfrm>
+          </p:grpSpPr>
+          <p:sp>
+            <p:nvSpPr>
+              <p:cNvPr id="135" name="椭圆 134">
+                <a:extLst>
+                  <a:ext uri="{FF2B5EF4-FFF2-40B4-BE49-F238E27FC236}">
+                    <a16:creationId xmlns:a16="http://schemas.microsoft.com/office/drawing/2014/main" id="{75A3B8E9-87BD-E43A-D97A-B6372E5DA027}"/>
+                  </a:ext>
+                </a:extLst>
+              </p:cNvPr>
+              <p:cNvSpPr/>
+              <p:nvPr/>
+            </p:nvSpPr>
+            <p:spPr>
+              <a:xfrm rot="5400000">
+                <a:off x="8771569" y="2589483"/>
+                <a:ext cx="481691" cy="481691"/>
+              </a:xfrm>
+              <a:prstGeom prst="ellipse">
+                <a:avLst/>
+              </a:prstGeom>
+              <a:ln>
+                <a:noFill/>
+              </a:ln>
+              <a:scene3d>
+                <a:camera prst="orthographicFront"/>
+                <a:lightRig rig="threePt" dir="t"/>
+              </a:scene3d>
+              <a:sp3d>
+                <a:bevelT w="1270000" h="1270000" prst="artDeco"/>
+              </a:sp3d>
+            </p:spPr>
+            <p:style>
+              <a:lnRef idx="2">
+                <a:schemeClr val="accent1">
+                  <a:shade val="15000"/>
+                </a:schemeClr>
+              </a:lnRef>
+              <a:fillRef idx="1">
+                <a:schemeClr val="accent1"/>
+              </a:fillRef>
+              <a:effectRef idx="0">
+                <a:schemeClr val="accent1"/>
+              </a:effectRef>
+              <a:fontRef idx="minor">
+                <a:schemeClr val="lt1"/>
+              </a:fontRef>
+            </p:style>
+            <p:txBody>
+              <a:bodyPr rtlCol="0" anchor="ctr">
+                <a:sp3d>
+                  <a:bevelT w="0" h="0"/>
+                </a:sp3d>
+              </a:bodyPr>
+              <a:lstStyle/>
+              <a:p>
+                <a:pPr algn="ctr"/>
+                <a:endParaRPr kumimoji="1" lang="zh-CN" altLang="en-US" dirty="0"/>
+              </a:p>
+            </p:txBody>
+          </p:sp>
+          <p:sp>
+            <p:nvSpPr>
+              <p:cNvPr id="137" name="椭圆 136">
+                <a:extLst>
+                  <a:ext uri="{FF2B5EF4-FFF2-40B4-BE49-F238E27FC236}">
+                    <a16:creationId xmlns:a16="http://schemas.microsoft.com/office/drawing/2014/main" id="{BF07D95C-C789-1331-2433-DE3F92B19C1B}"/>
+                  </a:ext>
+                </a:extLst>
+              </p:cNvPr>
+              <p:cNvSpPr/>
+              <p:nvPr/>
+            </p:nvSpPr>
+            <p:spPr>
+              <a:xfrm rot="5400000">
+                <a:off x="8771569" y="1709877"/>
+                <a:ext cx="481691" cy="481691"/>
+              </a:xfrm>
+              <a:prstGeom prst="ellipse">
+                <a:avLst/>
+              </a:prstGeom>
+              <a:ln>
+                <a:noFill/>
+              </a:ln>
+              <a:scene3d>
+                <a:camera prst="orthographicFront"/>
+                <a:lightRig rig="threePt" dir="t"/>
+              </a:scene3d>
+              <a:sp3d>
+                <a:bevelT w="1270000" h="1270000" prst="artDeco"/>
+              </a:sp3d>
+            </p:spPr>
+            <p:style>
+              <a:lnRef idx="2">
+                <a:schemeClr val="accent1">
+                  <a:shade val="15000"/>
+                </a:schemeClr>
+              </a:lnRef>
+              <a:fillRef idx="1">
+                <a:schemeClr val="accent1"/>
+              </a:fillRef>
+              <a:effectRef idx="0">
+                <a:schemeClr val="accent1"/>
+              </a:effectRef>
+              <a:fontRef idx="minor">
+                <a:schemeClr val="lt1"/>
+              </a:fontRef>
+            </p:style>
+            <p:txBody>
+              <a:bodyPr rtlCol="0" anchor="ctr">
+                <a:sp3d>
+                  <a:bevelT w="0" h="0"/>
+                </a:sp3d>
+              </a:bodyPr>
+              <a:lstStyle/>
+              <a:p>
+                <a:pPr algn="ctr"/>
+                <a:endParaRPr kumimoji="1" lang="zh-CN" altLang="en-US" dirty="0"/>
+              </a:p>
+            </p:txBody>
+          </p:sp>
+        </p:grpSp>
+        <p:grpSp>
+          <p:nvGrpSpPr>
+            <p:cNvPr id="117" name="组合 116">
+              <a:extLst>
+                <a:ext uri="{FF2B5EF4-FFF2-40B4-BE49-F238E27FC236}">
+                  <a16:creationId xmlns:a16="http://schemas.microsoft.com/office/drawing/2014/main" id="{C24F08CA-972E-B873-4A74-64392AB99D97}"/>
+                </a:ext>
+              </a:extLst>
+            </p:cNvPr>
+            <p:cNvGrpSpPr/>
+            <p:nvPr/>
+          </p:nvGrpSpPr>
+          <p:grpSpPr>
+            <a:xfrm>
+              <a:off x="10507915" y="2283190"/>
+              <a:ext cx="87067" cy="421200"/>
+              <a:chOff x="8971786" y="1301682"/>
+              <a:chExt cx="87067" cy="421200"/>
+            </a:xfrm>
+          </p:grpSpPr>
+          <p:cxnSp>
+            <p:nvCxnSpPr>
+              <p:cNvPr id="126" name="直线连接符 125">
+                <a:extLst>
+                  <a:ext uri="{FF2B5EF4-FFF2-40B4-BE49-F238E27FC236}">
+                    <a16:creationId xmlns:a16="http://schemas.microsoft.com/office/drawing/2014/main" id="{B21363DD-8139-3C09-2614-D8BEB63D8D39}"/>
+                  </a:ext>
+                </a:extLst>
+              </p:cNvPr>
+              <p:cNvCxnSpPr>
+                <a:cxnSpLocks/>
+              </p:cNvCxnSpPr>
+              <p:nvPr/>
+            </p:nvCxnSpPr>
+            <p:spPr>
+              <a:xfrm flipV="1">
+                <a:off x="8971786" y="1306231"/>
+                <a:ext cx="0" cy="406799"/>
+              </a:xfrm>
+              <a:prstGeom prst="line">
+                <a:avLst/>
+              </a:prstGeom>
+              <a:ln w="46990">
+                <a:solidFill>
+                  <a:srgbClr val="FFC000">
+                    <a:alpha val="83000"/>
+                  </a:srgbClr>
+                </a:solidFill>
+              </a:ln>
+            </p:spPr>
+            <p:style>
+              <a:lnRef idx="1">
+                <a:schemeClr val="accent1"/>
+              </a:lnRef>
+              <a:fillRef idx="0">
+                <a:schemeClr val="accent1"/>
+              </a:fillRef>
+              <a:effectRef idx="0">
+                <a:schemeClr val="accent1"/>
+              </a:effectRef>
+              <a:fontRef idx="minor">
+                <a:schemeClr val="tx1"/>
+              </a:fontRef>
+            </p:style>
+          </p:cxnSp>
+          <p:cxnSp>
+            <p:nvCxnSpPr>
+              <p:cNvPr id="127" name="直线连接符 126">
+                <a:extLst>
+                  <a:ext uri="{FF2B5EF4-FFF2-40B4-BE49-F238E27FC236}">
+                    <a16:creationId xmlns:a16="http://schemas.microsoft.com/office/drawing/2014/main" id="{B2246C9E-5C43-3F8E-C509-BB6D8A548DCF}"/>
+                  </a:ext>
+                </a:extLst>
+              </p:cNvPr>
+              <p:cNvCxnSpPr>
+                <a:cxnSpLocks/>
+              </p:cNvCxnSpPr>
+              <p:nvPr/>
+            </p:nvCxnSpPr>
+            <p:spPr>
+              <a:xfrm rot="5400000" flipH="1">
+                <a:off x="8819794" y="1506254"/>
+                <a:ext cx="397915" cy="0"/>
+              </a:xfrm>
+              <a:prstGeom prst="line">
+                <a:avLst/>
+              </a:prstGeom>
+              <a:ln w="46990">
+                <a:solidFill>
+                  <a:srgbClr val="FF0000">
+                    <a:alpha val="83000"/>
+                  </a:srgbClr>
+                </a:solidFill>
+              </a:ln>
+            </p:spPr>
+            <p:style>
+              <a:lnRef idx="1">
+                <a:schemeClr val="accent1"/>
+              </a:lnRef>
+              <a:fillRef idx="0">
+                <a:schemeClr val="accent1"/>
+              </a:fillRef>
+              <a:effectRef idx="0">
+                <a:schemeClr val="accent1"/>
+              </a:effectRef>
+              <a:fontRef idx="minor">
+                <a:schemeClr val="tx1"/>
+              </a:fontRef>
+            </p:style>
+          </p:cxnSp>
+          <p:cxnSp>
+            <p:nvCxnSpPr>
+              <p:cNvPr id="128" name="直线连接符 127">
+                <a:extLst>
+                  <a:ext uri="{FF2B5EF4-FFF2-40B4-BE49-F238E27FC236}">
+                    <a16:creationId xmlns:a16="http://schemas.microsoft.com/office/drawing/2014/main" id="{FE633CFB-41EA-F497-8519-FAFF7880CC46}"/>
+                  </a:ext>
+                </a:extLst>
+              </p:cNvPr>
+              <p:cNvCxnSpPr>
+                <a:cxnSpLocks/>
+              </p:cNvCxnSpPr>
+              <p:nvPr/>
+            </p:nvCxnSpPr>
+            <p:spPr>
+              <a:xfrm flipV="1">
+                <a:off x="9058853" y="1301682"/>
+                <a:ext cx="0" cy="421200"/>
+              </a:xfrm>
+              <a:prstGeom prst="line">
+                <a:avLst/>
+              </a:prstGeom>
+              <a:ln w="46990">
+                <a:solidFill>
+                  <a:srgbClr val="00B050">
+                    <a:alpha val="83000"/>
+                  </a:srgbClr>
+                </a:solidFill>
+              </a:ln>
+            </p:spPr>
+            <p:style>
+              <a:lnRef idx="1">
+                <a:schemeClr val="accent1"/>
+              </a:lnRef>
+              <a:fillRef idx="0">
+                <a:schemeClr val="accent1"/>
+              </a:fillRef>
+              <a:effectRef idx="0">
+                <a:schemeClr val="accent1"/>
+              </a:effectRef>
+              <a:fontRef idx="minor">
+                <a:schemeClr val="tx1"/>
+              </a:fontRef>
+            </p:style>
+          </p:cxnSp>
+        </p:grpSp>
+      </p:grpSp>
+      <p:grpSp>
+        <p:nvGrpSpPr>
+          <p:cNvPr id="138" name="组合 137">
+            <a:extLst>
+              <a:ext uri="{FF2B5EF4-FFF2-40B4-BE49-F238E27FC236}">
+                <a16:creationId xmlns:a16="http://schemas.microsoft.com/office/drawing/2014/main" id="{411C7166-B587-46B3-49ED-4A1B652A52EF}"/>
+              </a:ext>
+            </a:extLst>
+          </p:cNvPr>
+          <p:cNvGrpSpPr/>
+          <p:nvPr/>
+        </p:nvGrpSpPr>
+        <p:grpSpPr>
+          <a:xfrm>
+            <a:off x="10310609" y="3879041"/>
+            <a:ext cx="481690" cy="1364872"/>
+            <a:chOff x="10310609" y="3563355"/>
+            <a:chExt cx="481690" cy="1364872"/>
+          </a:xfrm>
+        </p:grpSpPr>
+        <p:grpSp>
+          <p:nvGrpSpPr>
+            <p:cNvPr id="116" name="组合 115">
+              <a:extLst>
+                <a:ext uri="{FF2B5EF4-FFF2-40B4-BE49-F238E27FC236}">
+                  <a16:creationId xmlns:a16="http://schemas.microsoft.com/office/drawing/2014/main" id="{1C1B97E4-BC61-8C28-A96F-AFA321AB9BCB}"/>
+                </a:ext>
+              </a:extLst>
+            </p:cNvPr>
+            <p:cNvGrpSpPr/>
+            <p:nvPr/>
+          </p:nvGrpSpPr>
+          <p:grpSpPr>
+            <a:xfrm rot="5400000">
+              <a:off x="9869018" y="4004946"/>
+              <a:ext cx="1364872" cy="481690"/>
+              <a:chOff x="1813293" y="3625600"/>
+              <a:chExt cx="2040122" cy="720000"/>
+            </a:xfrm>
+          </p:grpSpPr>
+          <p:sp>
+            <p:nvSpPr>
+              <p:cNvPr id="130" name="椭圆 129">
+                <a:extLst>
+                  <a:ext uri="{FF2B5EF4-FFF2-40B4-BE49-F238E27FC236}">
+                    <a16:creationId xmlns:a16="http://schemas.microsoft.com/office/drawing/2014/main" id="{CA188CBA-6A3E-48B4-41B5-9D96F802A7F2}"/>
+                  </a:ext>
+                </a:extLst>
+              </p:cNvPr>
+              <p:cNvSpPr/>
+              <p:nvPr/>
+            </p:nvSpPr>
+            <p:spPr>
+              <a:xfrm>
+                <a:off x="1813293" y="3625600"/>
+                <a:ext cx="720000" cy="720000"/>
+              </a:xfrm>
+              <a:prstGeom prst="ellipse">
+                <a:avLst/>
+              </a:prstGeom>
+              <a:ln>
+                <a:noFill/>
+              </a:ln>
+              <a:scene3d>
+                <a:camera prst="orthographicFront"/>
+                <a:lightRig rig="threePt" dir="t"/>
+              </a:scene3d>
+              <a:sp3d>
+                <a:bevelT w="1270000" h="1270000" prst="artDeco"/>
+              </a:sp3d>
+            </p:spPr>
+            <p:style>
+              <a:lnRef idx="2">
+                <a:schemeClr val="accent1">
+                  <a:shade val="15000"/>
+                </a:schemeClr>
+              </a:lnRef>
+              <a:fillRef idx="1">
+                <a:schemeClr val="accent1"/>
+              </a:fillRef>
+              <a:effectRef idx="0">
+                <a:schemeClr val="accent1"/>
+              </a:effectRef>
+              <a:fontRef idx="minor">
+                <a:schemeClr val="lt1"/>
+              </a:fontRef>
+            </p:style>
+            <p:txBody>
+              <a:bodyPr rtlCol="0" anchor="ctr">
+                <a:sp3d>
+                  <a:bevelT w="0" h="0"/>
+                </a:sp3d>
+              </a:bodyPr>
+              <a:lstStyle/>
+              <a:p>
+                <a:pPr algn="ctr"/>
+                <a:endParaRPr kumimoji="1" lang="zh-CN" altLang="en-US" dirty="0"/>
+              </a:p>
+            </p:txBody>
+          </p:sp>
+          <p:sp>
+            <p:nvSpPr>
+              <p:cNvPr id="131" name="椭圆 130">
+                <a:extLst>
+                  <a:ext uri="{FF2B5EF4-FFF2-40B4-BE49-F238E27FC236}">
+                    <a16:creationId xmlns:a16="http://schemas.microsoft.com/office/drawing/2014/main" id="{B4D75701-AB0B-63EE-5D76-578B02DF5417}"/>
+                  </a:ext>
+                </a:extLst>
+              </p:cNvPr>
+              <p:cNvSpPr/>
+              <p:nvPr/>
+            </p:nvSpPr>
+            <p:spPr>
+              <a:xfrm>
+                <a:off x="3133415" y="3625600"/>
+                <a:ext cx="720000" cy="720000"/>
+              </a:xfrm>
+              <a:prstGeom prst="ellipse">
+                <a:avLst/>
+              </a:prstGeom>
+              <a:ln>
+                <a:noFill/>
+              </a:ln>
+              <a:scene3d>
+                <a:camera prst="orthographicFront"/>
+                <a:lightRig rig="threePt" dir="t"/>
+              </a:scene3d>
+              <a:sp3d>
+                <a:bevelT w="1270000" h="1270000" prst="artDeco"/>
+              </a:sp3d>
+            </p:spPr>
+            <p:style>
+              <a:lnRef idx="2">
+                <a:schemeClr val="accent1">
+                  <a:shade val="15000"/>
+                </a:schemeClr>
+              </a:lnRef>
+              <a:fillRef idx="1">
+                <a:schemeClr val="accent1"/>
+              </a:fillRef>
+              <a:effectRef idx="0">
+                <a:schemeClr val="accent1"/>
+              </a:effectRef>
+              <a:fontRef idx="minor">
+                <a:schemeClr val="lt1"/>
+              </a:fontRef>
+            </p:style>
+            <p:txBody>
+              <a:bodyPr rtlCol="0" anchor="ctr">
+                <a:sp3d>
+                  <a:bevelT w="0" h="0"/>
+                </a:sp3d>
+              </a:bodyPr>
+              <a:lstStyle/>
+              <a:p>
+                <a:pPr algn="ctr"/>
+                <a:endParaRPr kumimoji="1" lang="zh-CN" altLang="en-US" dirty="0"/>
+              </a:p>
+            </p:txBody>
+          </p:sp>
+        </p:grpSp>
+        <p:grpSp>
+          <p:nvGrpSpPr>
+            <p:cNvPr id="118" name="组合 117">
+              <a:extLst>
+                <a:ext uri="{FF2B5EF4-FFF2-40B4-BE49-F238E27FC236}">
+                  <a16:creationId xmlns:a16="http://schemas.microsoft.com/office/drawing/2014/main" id="{780905DC-8BE0-F60C-65AB-CF8D7BB2ACBD}"/>
+                </a:ext>
+              </a:extLst>
+            </p:cNvPr>
+            <p:cNvGrpSpPr/>
+            <p:nvPr/>
+          </p:nvGrpSpPr>
+          <p:grpSpPr>
+            <a:xfrm>
+              <a:off x="10510821" y="4036173"/>
+              <a:ext cx="87067" cy="421918"/>
+              <a:chOff x="8971786" y="1302187"/>
+              <a:chExt cx="87067" cy="421918"/>
+            </a:xfrm>
+          </p:grpSpPr>
+          <p:cxnSp>
+            <p:nvCxnSpPr>
+              <p:cNvPr id="123" name="直线连接符 122">
+                <a:extLst>
+                  <a:ext uri="{FF2B5EF4-FFF2-40B4-BE49-F238E27FC236}">
+                    <a16:creationId xmlns:a16="http://schemas.microsoft.com/office/drawing/2014/main" id="{8752D316-668C-C76F-F110-ABF44F54768A}"/>
+                  </a:ext>
+                </a:extLst>
+              </p:cNvPr>
+              <p:cNvCxnSpPr>
+                <a:cxnSpLocks/>
+              </p:cNvCxnSpPr>
+              <p:nvPr/>
+            </p:nvCxnSpPr>
+            <p:spPr>
+              <a:xfrm flipV="1">
+                <a:off x="8971786" y="1303194"/>
+                <a:ext cx="0" cy="420911"/>
+              </a:xfrm>
+              <a:prstGeom prst="line">
+                <a:avLst/>
+              </a:prstGeom>
+              <a:ln w="46990">
+                <a:solidFill>
+                  <a:srgbClr val="FFC000">
+                    <a:alpha val="83000"/>
+                  </a:srgbClr>
+                </a:solidFill>
+              </a:ln>
+            </p:spPr>
+            <p:style>
+              <a:lnRef idx="1">
+                <a:schemeClr val="accent1"/>
+              </a:lnRef>
+              <a:fillRef idx="0">
+                <a:schemeClr val="accent1"/>
+              </a:fillRef>
+              <a:effectRef idx="0">
+                <a:schemeClr val="accent1"/>
+              </a:effectRef>
+              <a:fontRef idx="minor">
+                <a:schemeClr val="tx1"/>
+              </a:fontRef>
+            </p:style>
+          </p:cxnSp>
+          <p:cxnSp>
+            <p:nvCxnSpPr>
+              <p:cNvPr id="124" name="直线连接符 123">
+                <a:extLst>
+                  <a:ext uri="{FF2B5EF4-FFF2-40B4-BE49-F238E27FC236}">
+                    <a16:creationId xmlns:a16="http://schemas.microsoft.com/office/drawing/2014/main" id="{312BB9C8-540B-B92D-98FB-4A1841D82E62}"/>
+                  </a:ext>
+                </a:extLst>
+              </p:cNvPr>
+              <p:cNvCxnSpPr>
+                <a:cxnSpLocks/>
+              </p:cNvCxnSpPr>
+              <p:nvPr/>
+            </p:nvCxnSpPr>
+            <p:spPr>
+              <a:xfrm rot="5400000" flipH="1">
+                <a:off x="8813457" y="1510919"/>
+                <a:ext cx="397915" cy="0"/>
+              </a:xfrm>
+              <a:prstGeom prst="line">
+                <a:avLst/>
+              </a:prstGeom>
+              <a:ln w="46990">
+                <a:solidFill>
+                  <a:srgbClr val="FF0000">
+                    <a:alpha val="83000"/>
+                  </a:srgbClr>
+                </a:solidFill>
+              </a:ln>
+            </p:spPr>
+            <p:style>
+              <a:lnRef idx="1">
+                <a:schemeClr val="accent1"/>
+              </a:lnRef>
+              <a:fillRef idx="0">
+                <a:schemeClr val="accent1"/>
+              </a:fillRef>
+              <a:effectRef idx="0">
+                <a:schemeClr val="accent1"/>
+              </a:effectRef>
+              <a:fontRef idx="minor">
+                <a:schemeClr val="tx1"/>
+              </a:fontRef>
+            </p:style>
+          </p:cxnSp>
+          <p:cxnSp>
+            <p:nvCxnSpPr>
+              <p:cNvPr id="125" name="直线连接符 124">
+                <a:extLst>
+                  <a:ext uri="{FF2B5EF4-FFF2-40B4-BE49-F238E27FC236}">
+                    <a16:creationId xmlns:a16="http://schemas.microsoft.com/office/drawing/2014/main" id="{A5EA51F7-A03F-3BB2-9A85-A177677434EC}"/>
+                  </a:ext>
+                </a:extLst>
+              </p:cNvPr>
+              <p:cNvCxnSpPr>
+                <a:cxnSpLocks/>
+              </p:cNvCxnSpPr>
+              <p:nvPr/>
+            </p:nvCxnSpPr>
+            <p:spPr>
+              <a:xfrm flipV="1">
+                <a:off x="9058853" y="1302187"/>
+                <a:ext cx="0" cy="421200"/>
+              </a:xfrm>
+              <a:prstGeom prst="line">
+                <a:avLst/>
+              </a:prstGeom>
+              <a:ln w="46990">
+                <a:solidFill>
+                  <a:srgbClr val="00B050">
+                    <a:alpha val="83000"/>
+                  </a:srgbClr>
+                </a:solidFill>
+              </a:ln>
+            </p:spPr>
+            <p:style>
+              <a:lnRef idx="1">
+                <a:schemeClr val="accent1"/>
+              </a:lnRef>
+              <a:fillRef idx="0">
+                <a:schemeClr val="accent1"/>
+              </a:fillRef>
+              <a:effectRef idx="0">
+                <a:schemeClr val="accent1"/>
+              </a:effectRef>
+              <a:fontRef idx="minor">
+                <a:schemeClr val="tx1"/>
+              </a:fontRef>
+            </p:style>
+          </p:cxnSp>
+        </p:grpSp>
+      </p:grpSp>
+      <p:sp>
+        <p:nvSpPr>
+          <p:cNvPr id="140" name="文本框 139">
+            <a:extLst>
+              <a:ext uri="{FF2B5EF4-FFF2-40B4-BE49-F238E27FC236}">
+                <a16:creationId xmlns:a16="http://schemas.microsoft.com/office/drawing/2014/main" id="{6A53C7D7-48BD-49D8-DFB9-9D64177FFCB0}"/>
+              </a:ext>
+            </a:extLst>
+          </p:cNvPr>
+          <p:cNvSpPr txBox="1"/>
+          <p:nvPr/>
+        </p:nvSpPr>
+        <p:spPr>
+          <a:xfrm rot="5400000">
+            <a:off x="10247790" y="3182694"/>
+            <a:ext cx="672609" cy="507831"/>
+          </a:xfrm>
+          <a:prstGeom prst="rect">
+            <a:avLst/>
+          </a:prstGeom>
+          <a:noFill/>
+        </p:spPr>
+        <p:txBody>
+          <a:bodyPr wrap="square" rtlCol="0">
+            <a:spAutoFit/>
+          </a:bodyPr>
+          <a:lstStyle/>
+          <a:p>
+            <a:r>
+              <a:rPr kumimoji="1" lang="en-US" altLang="zh-CN" sz="2700" b="1" dirty="0"/>
+              <a:t>·</a:t>
+            </a:r>
+            <a:r>
+              <a:rPr kumimoji="1" lang="zh-CN" altLang="en-US" sz="2700" b="1" dirty="0"/>
+              <a:t> </a:t>
+            </a:r>
+            <a:r>
+              <a:rPr kumimoji="1" lang="en-US" altLang="zh-CN" sz="2700" b="1" dirty="0"/>
+              <a:t>·</a:t>
+            </a:r>
+            <a:r>
+              <a:rPr kumimoji="1" lang="zh-CN" altLang="en-US" sz="2700" b="1" dirty="0"/>
+              <a:t> </a:t>
+            </a:r>
+            <a:r>
+              <a:rPr kumimoji="1" lang="en-US" altLang="zh-CN" sz="2700" b="1" dirty="0"/>
+              <a:t>·</a:t>
+            </a:r>
+            <a:endParaRPr kumimoji="1" lang="zh-CN" altLang="en-US" sz="2700" b="1" dirty="0"/>
+          </a:p>
+        </p:txBody>
+      </p:sp>
     </p:spTree>
     <p:extLst>
       <p:ext uri="{BB962C8B-B14F-4D97-AF65-F5344CB8AC3E}">
